--- a/LCHS expenditure 2022-23.pptx
+++ b/LCHS expenditure 2022-23.pptx
@@ -30584,7 +30584,7 @@
           <a:p>
             <a:r>
               <a:rPr lang="en-GB" dirty="0"/>
-              <a:t>A fall in total expenditure for quarter 3, total expenditure for each quarter fell from 13.2m (Q2) to 8.9m, similar to Q2, </a:t>
+              <a:t>A fall in total expenditure for quarter 3, total expenditure for each quarter fell from £13.2m (Q2) to £8.9m, similar to Q2, </a:t>
             </a:r>
             <a:r>
               <a:rPr lang="en-GB" dirty="0">
@@ -32562,7 +32562,7 @@
         <p:spPr>
           <a:xfrm>
             <a:off x="0" y="130127"/>
-            <a:ext cx="4837176" cy="2585323"/>
+            <a:ext cx="4837176" cy="2308324"/>
           </a:xfrm>
           <a:prstGeom prst="rect">
             <a:avLst/>
@@ -32601,29 +32601,7 @@
                   </a:schemeClr>
                 </a:solidFill>
               </a:rPr>
-              <a:t>Processing and preparing of dataset with Visual Code Studio (Python, </a:t>
-            </a:r>
-            <a:r>
-              <a:rPr lang="en-GB" dirty="0" err="1">
-                <a:solidFill>
-                  <a:schemeClr val="bg1">
-                    <a:lumMod val="95000"/>
-                    <a:lumOff val="5000"/>
-                  </a:schemeClr>
-                </a:solidFill>
-              </a:rPr>
-              <a:t>Numpy</a:t>
-            </a:r>
-            <a:r>
-              <a:rPr lang="en-GB" dirty="0">
-                <a:solidFill>
-                  <a:schemeClr val="bg1">
-                    <a:lumMod val="95000"/>
-                    <a:lumOff val="5000"/>
-                  </a:schemeClr>
-                </a:solidFill>
-              </a:rPr>
-              <a:t>, Pandas)</a:t>
+              <a:t>Processing and preparing of dataset with Visual Code Studio (Python, NumPy, Pandas)</a:t>
             </a:r>
           </a:p>
           <a:p>
@@ -32640,7 +32618,7 @@
                   </a:schemeClr>
                 </a:solidFill>
               </a:rPr>
-              <a:t>Further processing of dataset with Microsoft Excel.</a:t>
+              <a:t>Further processing and analysis of dataset with Microsoft Excel.</a:t>
             </a:r>
           </a:p>
           <a:p>
@@ -32657,10 +32635,8 @@
                   </a:schemeClr>
                 </a:solidFill>
               </a:rPr>
-              <a:t>Presented my findings and insight on the dataset on LCHS expenditure.</a:t>
+              <a:t>Presented my findings and insight with PowerPoint presentation</a:t>
             </a:r>
-          </a:p>
-          <a:p>
             <a:endParaRPr lang="en-US" dirty="0">
               <a:solidFill>
                 <a:schemeClr val="bg1">
@@ -34553,7 +34529,7 @@
             </a:r>
             <a:r>
               <a:rPr lang="en-GB" dirty="0"/>
-              <a:t> appeared the most for area of expense, contributing 71% for the top 10 expense area of LCHS. The balance sheet was a literal summary on expense that LCHS made on what they owed (liabilities) or what they own (asset)</a:t>
+              <a:t> appeared the most for area of expense, contributing 71% for the top 10 expense area of LCHS. The balance sheet covered summaries on expenses that LCHS made on what they owed (liabilities) or what they own (asset)</a:t>
             </a:r>
           </a:p>
         </p:txBody>
@@ -34618,7 +34594,7 @@
             <a:pPr rtl="0"/>
             <a:r>
               <a:rPr lang="en-GB" dirty="0"/>
-              <a:t>In Q3. of 2022, the expenses was seen to take a drastic fall following after June, with a margin of &gt;50% fall in total expenditure (6.9m – 3.2m), following the high fall, expenditure continued to fall gradually. The month with the lowest total expenditure in this quarter was September with a value of £2.6m.</a:t>
+              <a:t>In Q3. of 2022, the expenses took a drastic fall following June, with a margin of an above 50% fall in total expenditure (£6.9m – £3.2m). Along, with  expenditure continuous fall. The month with the lowest total expenditure recorded for this quarter was September with a value of £2.6m.</a:t>
             </a:r>
           </a:p>
         </p:txBody>
@@ -34687,15 +34663,7 @@
             <a:pPr rtl="0"/>
             <a:r>
               <a:rPr lang="en-GB" dirty="0"/>
-              <a:t>In Q4, the total expenditure rose from the last value of the previous quarter of 2.6m to 5.9m in October of quarter 4, then noticed was a rise in total expenditure to 6.3m and a sudden fall to 3.05m where an increase in value was expected as seen in the 2</a:t>
-            </a:r>
-            <a:r>
-              <a:rPr lang="en-GB" baseline="30000" dirty="0"/>
-              <a:t>nd</a:t>
-            </a:r>
-            <a:r>
-              <a:rPr lang="en-GB" dirty="0"/>
-              <a:t> quarter record. </a:t>
+              <a:t>In Q4, the total expenditure rose from the last value of £2.6m to £5.9m in October. Findings from the data showed a rise in total expenditure to £6.3m, accompanied by a sudden fall to £3.05m.</a:t>
             </a:r>
           </a:p>
         </p:txBody>
@@ -34760,7 +34728,7 @@
             <a:pPr rtl="0"/>
             <a:r>
               <a:rPr lang="en-GB" dirty="0"/>
-              <a:t>In the first month of 2023, the value rose by under a million from the last month of 2022, and then was a relatively lower increase in the total expenditure when compared to the previous quarters, </a:t>
+              <a:t>In the first month of 2023, the value rose by under a million from the last month of 2022, and then were  relatively lower increase in the total expenditure in comparison to previous quarters.</a:t>
             </a:r>
           </a:p>
         </p:txBody>
@@ -36235,24 +36203,6 @@
 </file>
 
 <file path=customXml/item1.xml><?xml version="1.0" encoding="utf-8"?>
-<p:properties xmlns:p="http://schemas.microsoft.com/office/2006/metadata/properties" xmlns:xsi="http://www.w3.org/2001/XMLSchema-instance" xmlns:pc="http://schemas.microsoft.com/office/infopath/2007/PartnerControls">
-  <documentManagement>
-    <Status xmlns="71af3243-3dd4-4a8d-8c0d-dd76da1f02a5">Not started</Status>
-    <MediaServiceKeyPoints xmlns="71af3243-3dd4-4a8d-8c0d-dd76da1f02a5" xsi:nil="true"/>
-  </documentManagement>
-</p:properties>
-</file>
-
-<file path=customXml/item2.xml><?xml version="1.0" encoding="utf-8"?>
-<?mso-contentType ?>
-<FormTemplates xmlns="http://schemas.microsoft.com/sharepoint/v3/contenttype/forms">
-  <Display>DocumentLibraryForm</Display>
-  <Edit>DocumentLibraryForm</Edit>
-  <New>DocumentLibraryForm</New>
-</FormTemplates>
-</file>
-
-<file path=customXml/item3.xml><?xml version="1.0" encoding="utf-8"?>
 <ct:contentTypeSchema xmlns:ct="http://schemas.microsoft.com/office/2006/metadata/contentType" xmlns:ma="http://schemas.microsoft.com/office/2006/metadata/properties/metaAttributes" ct:_="" ma:_="" ma:contentTypeName="Document" ma:contentTypeID="0x01010079F111ED35F8CC479449609E8A0923A6" ma:contentTypeVersion="12" ma:contentTypeDescription="Create a new document." ma:contentTypeScope="" ma:versionID="426e97fa315356fffbdcd9876fe988c2">
   <xsd:schema xmlns:xsd="http://www.w3.org/2001/XMLSchema" xmlns:xs="http://www.w3.org/2001/XMLSchema" xmlns:p="http://schemas.microsoft.com/office/2006/metadata/properties" xmlns:ns2="71af3243-3dd4-4a8d-8c0d-dd76da1f02a5" xmlns:ns3="16c05727-aa75-4e4a-9b5f-8a80a1165891" targetNamespace="http://schemas.microsoft.com/office/2006/metadata/properties" ma:root="true" ma:fieldsID="14b8f0def80e6d70ce3def20c90759ae" ns2:_="" ns3:_="">
     <xsd:import namespace="71af3243-3dd4-4a8d-8c0d-dd76da1f02a5"/>
@@ -36473,25 +36423,25 @@
 </ct:contentTypeSchema>
 </file>
 
-<file path=customXml/itemProps1.xml><?xml version="1.0" encoding="utf-8"?>
-<ds:datastoreItem xmlns:ds="http://schemas.openxmlformats.org/officeDocument/2006/customXml" ds:itemID="{E24273A0-A4DF-47AA-BF1F-8758123399CE}">
-  <ds:schemaRefs>
-    <ds:schemaRef ds:uri="http://schemas.microsoft.com/office/2006/metadata/properties"/>
-    <ds:schemaRef ds:uri="http://schemas.microsoft.com/office/infopath/2007/PartnerControls"/>
-    <ds:schemaRef ds:uri="71af3243-3dd4-4a8d-8c0d-dd76da1f02a5"/>
-  </ds:schemaRefs>
-</ds:datastoreItem>
+<file path=customXml/item2.xml><?xml version="1.0" encoding="utf-8"?>
+<?mso-contentType ?>
+<FormTemplates xmlns="http://schemas.microsoft.com/sharepoint/v3/contenttype/forms">
+  <Display>DocumentLibraryForm</Display>
+  <Edit>DocumentLibraryForm</Edit>
+  <New>DocumentLibraryForm</New>
+</FormTemplates>
 </file>
 
-<file path=customXml/itemProps2.xml><?xml version="1.0" encoding="utf-8"?>
-<ds:datastoreItem xmlns:ds="http://schemas.openxmlformats.org/officeDocument/2006/customXml" ds:itemID="{182F651C-E5DA-470F-A6A6-D70E9A5EBFB8}">
-  <ds:schemaRefs>
-    <ds:schemaRef ds:uri="http://schemas.microsoft.com/sharepoint/v3/contenttype/forms"/>
-  </ds:schemaRefs>
-</ds:datastoreItem>
+<file path=customXml/item3.xml><?xml version="1.0" encoding="utf-8"?>
+<p:properties xmlns:p="http://schemas.microsoft.com/office/2006/metadata/properties" xmlns:xsi="http://www.w3.org/2001/XMLSchema-instance" xmlns:pc="http://schemas.microsoft.com/office/infopath/2007/PartnerControls">
+  <documentManagement>
+    <Status xmlns="71af3243-3dd4-4a8d-8c0d-dd76da1f02a5">Not started</Status>
+    <MediaServiceKeyPoints xmlns="71af3243-3dd4-4a8d-8c0d-dd76da1f02a5" xsi:nil="true"/>
+  </documentManagement>
+</p:properties>
 </file>
 
-<file path=customXml/itemProps3.xml><?xml version="1.0" encoding="utf-8"?>
+<file path=customXml/itemProps1.xml><?xml version="1.0" encoding="utf-8"?>
 <ds:datastoreItem xmlns:ds="http://schemas.openxmlformats.org/officeDocument/2006/customXml" ds:itemID="{FD975AF8-B1C6-436B-A274-2C3ADC7798ED}">
   <ds:schemaRefs>
     <ds:schemaRef ds:uri="http://schemas.microsoft.com/office/2006/metadata/contentType"/>
@@ -36508,4 +36458,22 @@
     <ds:schemaRef ds:uri="http://schemas.microsoft.com/internal/obd"/>
   </ds:schemaRefs>
 </ds:datastoreItem>
+</file>
+
+<file path=customXml/itemProps2.xml><?xml version="1.0" encoding="utf-8"?>
+<ds:datastoreItem xmlns:ds="http://schemas.openxmlformats.org/officeDocument/2006/customXml" ds:itemID="{182F651C-E5DA-470F-A6A6-D70E9A5EBFB8}">
+  <ds:schemaRefs>
+    <ds:schemaRef ds:uri="http://schemas.microsoft.com/sharepoint/v3/contenttype/forms"/>
+  </ds:schemaRefs>
+</ds:datastoreItem>
+</file>
+
+<file path=customXml/itemProps3.xml><?xml version="1.0" encoding="utf-8"?>
+<ds:datastoreItem xmlns:ds="http://schemas.openxmlformats.org/officeDocument/2006/customXml" ds:itemID="{E24273A0-A4DF-47AA-BF1F-8758123399CE}">
+  <ds:schemaRefs>
+    <ds:schemaRef ds:uri="http://schemas.microsoft.com/office/2006/metadata/properties"/>
+    <ds:schemaRef ds:uri="http://schemas.microsoft.com/office/infopath/2007/PartnerControls"/>
+    <ds:schemaRef ds:uri="71af3243-3dd4-4a8d-8c0d-dd76da1f02a5"/>
+  </ds:schemaRefs>
+</ds:datastoreItem>
 </file>